--- a/Kur 1/1. Hafta/4. Gün/Sunu.pptx
+++ b/Kur 1/1. Hafta/4. Gün/Sunu.pptx
@@ -6856,6 +6856,12 @@
               <a:rPr lang="tr-TR" dirty="0" smtClean="0"/>
               <a:t>Döngüler</a:t>
             </a:r>
+          </a:p>
+          <a:p>
+            <a:r>
+              <a:rPr lang="tr-TR" smtClean="0"/>
+              <a:t>Hata Yakalama (İstisnalar)</a:t>
+            </a:r>
             <a:endParaRPr lang="tr-TR" dirty="0"/>
           </a:p>
         </p:txBody>
@@ -7189,11 +7195,7 @@
             </a:r>
             <a:r>
               <a:rPr lang="tr-TR" b="1" dirty="0"/>
-              <a:t> </a:t>
-            </a:r>
-            <a:r>
-              <a:rPr lang="tr-TR" b="1" dirty="0"/>
-              <a:t> </a:t>
+              <a:t>  </a:t>
             </a:r>
             <a:r>
               <a:rPr lang="tr-TR" b="1" dirty="0" err="1" smtClean="0"/>
@@ -8231,11 +8233,12 @@
 </file>
 
 <file path=customXml/item1.xml><?xml version="1.0" encoding="utf-8"?>
-<p:properties xmlns:p="http://schemas.microsoft.com/office/2006/metadata/properties" xmlns:xsi="http://www.w3.org/2001/XMLSchema-instance" xmlns:pc="http://schemas.microsoft.com/office/infopath/2007/PartnerControls">
-  <documentManagement>
-    <MediaServiceKeyPoints xmlns="71af3243-3dd4-4a8d-8c0d-dd76da1f02a5" xsi:nil="true"/>
-  </documentManagement>
-</p:properties>
+<?mso-contentType ?>
+<FormTemplates xmlns="http://schemas.microsoft.com/sharepoint/v3/contenttype/forms">
+  <Display>DocumentLibraryForm</Display>
+  <Edit>DocumentLibraryForm</Edit>
+  <New>DocumentLibraryForm</New>
+</FormTemplates>
 </file>
 
 <file path=customXml/item2.xml><?xml version="1.0" encoding="utf-8"?>
@@ -8450,20 +8453,17 @@
 </file>
 
 <file path=customXml/item3.xml><?xml version="1.0" encoding="utf-8"?>
-<?mso-contentType ?>
-<FormTemplates xmlns="http://schemas.microsoft.com/sharepoint/v3/contenttype/forms">
-  <Display>DocumentLibraryForm</Display>
-  <Edit>DocumentLibraryForm</Edit>
-  <New>DocumentLibraryForm</New>
-</FormTemplates>
+<p:properties xmlns:p="http://schemas.microsoft.com/office/2006/metadata/properties" xmlns:xsi="http://www.w3.org/2001/XMLSchema-instance" xmlns:pc="http://schemas.microsoft.com/office/infopath/2007/PartnerControls">
+  <documentManagement>
+    <MediaServiceKeyPoints xmlns="71af3243-3dd4-4a8d-8c0d-dd76da1f02a5" xsi:nil="true"/>
+  </documentManagement>
+</p:properties>
 </file>
 
 <file path=customXml/itemProps1.xml><?xml version="1.0" encoding="utf-8"?>
-<ds:datastoreItem xmlns:ds="http://schemas.openxmlformats.org/officeDocument/2006/customXml" ds:itemID="{B85274BF-C111-4B7A-8D90-F7666D37C131}">
+<ds:datastoreItem xmlns:ds="http://schemas.openxmlformats.org/officeDocument/2006/customXml" ds:itemID="{E0F1DF1E-36E3-406C-8CF7-DB13BB647087}">
   <ds:schemaRefs>
-    <ds:schemaRef ds:uri="http://schemas.microsoft.com/office/2006/metadata/properties"/>
-    <ds:schemaRef ds:uri="http://schemas.microsoft.com/office/infopath/2007/PartnerControls"/>
-    <ds:schemaRef ds:uri="71af3243-3dd4-4a8d-8c0d-dd76da1f02a5"/>
+    <ds:schemaRef ds:uri="http://schemas.microsoft.com/sharepoint/v3/contenttype/forms"/>
   </ds:schemaRefs>
 </ds:datastoreItem>
 </file>
@@ -8488,9 +8488,11 @@
 </file>
 
 <file path=customXml/itemProps3.xml><?xml version="1.0" encoding="utf-8"?>
-<ds:datastoreItem xmlns:ds="http://schemas.openxmlformats.org/officeDocument/2006/customXml" ds:itemID="{E0F1DF1E-36E3-406C-8CF7-DB13BB647087}">
+<ds:datastoreItem xmlns:ds="http://schemas.openxmlformats.org/officeDocument/2006/customXml" ds:itemID="{B85274BF-C111-4B7A-8D90-F7666D37C131}">
   <ds:schemaRefs>
-    <ds:schemaRef ds:uri="http://schemas.microsoft.com/sharepoint/v3/contenttype/forms"/>
+    <ds:schemaRef ds:uri="http://schemas.microsoft.com/office/2006/metadata/properties"/>
+    <ds:schemaRef ds:uri="http://schemas.microsoft.com/office/infopath/2007/PartnerControls"/>
+    <ds:schemaRef ds:uri="71af3243-3dd4-4a8d-8c0d-dd76da1f02a5"/>
   </ds:schemaRefs>
 </ds:datastoreItem>
 </file>